--- a/Liu_Turgeon_FinalProject_Slides.pptx
+++ b/Liu_Turgeon_FinalProject_Slides.pptx
@@ -12697,7 +12697,7 @@
             <a:tbl>
               <a:tblPr>
                 <a:noFill/>
-                <a:tableStyleId>{58533E67-5357-4500-9B03-42DE4B873CD9}</a:tableStyleId>
+                <a:tableStyleId>{46031992-5705-463D-9E86-D9D518CC5FB7}</a:tableStyleId>
               </a:tblPr>
               <a:tblGrid>
                 <a:gridCol w="952975"/>
@@ -13143,225 +13143,6 @@
                       <a:endParaRPr>
                         <a:solidFill>
                           <a:srgbClr val="00FF00"/>
-                        </a:solidFill>
-                      </a:endParaRPr>
-                    </a:p>
-                  </a:txBody>
-                  <a:tcPr marT="91425" marB="91425" marR="91425" marL="91425"/>
-                </a:tc>
-              </a:tr>
-              <a:tr h="306350">
-                <a:tc>
-                  <a:txBody>
-                    <a:bodyPr/>
-                    <a:lstStyle/>
-                    <a:p>
-                      <a:pPr indent="0" lvl="0" marL="0" rtl="0" algn="l">
-                        <a:spcBef>
-                          <a:spcPts val="0"/>
-                        </a:spcBef>
-                        <a:spcAft>
-                          <a:spcPts val="0"/>
-                        </a:spcAft>
-                        <a:buNone/>
-                      </a:pPr>
-                      <a:r>
-                        <a:rPr lang="en" sz="1300">
-                          <a:solidFill>
-                            <a:schemeClr val="lt1"/>
-                          </a:solidFill>
-                        </a:rPr>
-                        <a:t>Centroid</a:t>
-                      </a:r>
-                      <a:endParaRPr sz="1300">
-                        <a:solidFill>
-                          <a:schemeClr val="lt1"/>
-                        </a:solidFill>
-                      </a:endParaRPr>
-                    </a:p>
-                  </a:txBody>
-                  <a:tcPr marT="91425" marB="91425" marR="91425" marL="91425"/>
-                </a:tc>
-                <a:tc>
-                  <a:txBody>
-                    <a:bodyPr/>
-                    <a:lstStyle/>
-                    <a:p>
-                      <a:pPr indent="0" lvl="0" marL="0" rtl="0" algn="ctr">
-                        <a:spcBef>
-                          <a:spcPts val="0"/>
-                        </a:spcBef>
-                        <a:spcAft>
-                          <a:spcPts val="0"/>
-                        </a:spcAft>
-                        <a:buNone/>
-                      </a:pPr>
-                      <a:r>
-                        <a:rPr lang="en">
-                          <a:solidFill>
-                            <a:schemeClr val="lt1"/>
-                          </a:solidFill>
-                        </a:rPr>
-                        <a:t>-</a:t>
-                      </a:r>
-                      <a:endParaRPr>
-                        <a:solidFill>
-                          <a:schemeClr val="lt1"/>
-                        </a:solidFill>
-                      </a:endParaRPr>
-                    </a:p>
-                  </a:txBody>
-                  <a:tcPr marT="91425" marB="91425" marR="91425" marL="91425"/>
-                </a:tc>
-                <a:tc>
-                  <a:txBody>
-                    <a:bodyPr/>
-                    <a:lstStyle/>
-                    <a:p>
-                      <a:pPr indent="0" lvl="0" marL="0" rtl="0" algn="ctr">
-                        <a:spcBef>
-                          <a:spcPts val="0"/>
-                        </a:spcBef>
-                        <a:spcAft>
-                          <a:spcPts val="0"/>
-                        </a:spcAft>
-                        <a:buNone/>
-                      </a:pPr>
-                      <a:r>
-                        <a:rPr lang="en">
-                          <a:solidFill>
-                            <a:schemeClr val="lt1"/>
-                          </a:solidFill>
-                        </a:rPr>
-                        <a:t>-</a:t>
-                      </a:r>
-                      <a:endParaRPr>
-                        <a:solidFill>
-                          <a:schemeClr val="lt1"/>
-                        </a:solidFill>
-                      </a:endParaRPr>
-                    </a:p>
-                  </a:txBody>
-                  <a:tcPr marT="91425" marB="91425" marR="91425" marL="91425"/>
-                </a:tc>
-                <a:tc>
-                  <a:txBody>
-                    <a:bodyPr/>
-                    <a:lstStyle/>
-                    <a:p>
-                      <a:pPr indent="0" lvl="0" marL="0" rtl="0" algn="ctr">
-                        <a:spcBef>
-                          <a:spcPts val="0"/>
-                        </a:spcBef>
-                        <a:spcAft>
-                          <a:spcPts val="0"/>
-                        </a:spcAft>
-                        <a:buNone/>
-                      </a:pPr>
-                      <a:r>
-                        <a:rPr lang="en">
-                          <a:solidFill>
-                            <a:schemeClr val="lt1"/>
-                          </a:solidFill>
-                        </a:rPr>
-                        <a:t>-</a:t>
-                      </a:r>
-                      <a:endParaRPr>
-                        <a:solidFill>
-                          <a:schemeClr val="lt1"/>
-                        </a:solidFill>
-                      </a:endParaRPr>
-                    </a:p>
-                  </a:txBody>
-                  <a:tcPr marT="91425" marB="91425" marR="91425" marL="91425"/>
-                </a:tc>
-                <a:tc>
-                  <a:txBody>
-                    <a:bodyPr/>
-                    <a:lstStyle/>
-                    <a:p>
-                      <a:pPr indent="0" lvl="0" marL="0" rtl="0" algn="ctr">
-                        <a:spcBef>
-                          <a:spcPts val="0"/>
-                        </a:spcBef>
-                        <a:spcAft>
-                          <a:spcPts val="0"/>
-                        </a:spcAft>
-                        <a:buNone/>
-                      </a:pPr>
-                      <a:r>
-                        <a:rPr lang="en">
-                          <a:solidFill>
-                            <a:schemeClr val="lt1"/>
-                          </a:solidFill>
-                        </a:rPr>
-                        <a:t>-</a:t>
-                      </a:r>
-                      <a:endParaRPr>
-                        <a:solidFill>
-                          <a:schemeClr val="lt1"/>
-                        </a:solidFill>
-                      </a:endParaRPr>
-                    </a:p>
-                  </a:txBody>
-                  <a:tcPr marT="91425" marB="91425" marR="91425" marL="91425"/>
-                </a:tc>
-                <a:tc>
-                  <a:txBody>
-                    <a:bodyPr/>
-                    <a:lstStyle/>
-                    <a:p>
-                      <a:pPr indent="0" lvl="0" marL="0" rtl="0" algn="ctr">
-                        <a:spcBef>
-                          <a:spcPts val="0"/>
-                        </a:spcBef>
-                        <a:spcAft>
-                          <a:spcPts val="0"/>
-                        </a:spcAft>
-                        <a:buNone/>
-                      </a:pPr>
-                      <a:r>
-                        <a:rPr lang="en">
-                          <a:solidFill>
-                            <a:schemeClr val="lt1"/>
-                          </a:solidFill>
-                        </a:rPr>
-                        <a:t>-</a:t>
-                      </a:r>
-                      <a:endParaRPr>
-                        <a:solidFill>
-                          <a:schemeClr val="lt1"/>
-                        </a:solidFill>
-                      </a:endParaRPr>
-                    </a:p>
-                  </a:txBody>
-                  <a:tcPr marT="91425" marB="91425" marR="91425" marL="91425"/>
-                </a:tc>
-                <a:tc>
-                  <a:txBody>
-                    <a:bodyPr/>
-                    <a:lstStyle/>
-                    <a:p>
-                      <a:pPr indent="0" lvl="0" marL="0" rtl="0" algn="ctr">
-                        <a:spcBef>
-                          <a:spcPts val="0"/>
-                        </a:spcBef>
-                        <a:spcAft>
-                          <a:spcPts val="0"/>
-                        </a:spcAft>
-                        <a:buNone/>
-                      </a:pPr>
-                      <a:r>
-                        <a:rPr lang="en">
-                          <a:solidFill>
-                            <a:schemeClr val="lt1"/>
-                          </a:solidFill>
-                        </a:rPr>
-                        <a:t>-</a:t>
-                      </a:r>
-                      <a:endParaRPr>
-                        <a:solidFill>
-                          <a:schemeClr val="lt1"/>
                         </a:solidFill>
                       </a:endParaRPr>
                     </a:p>
@@ -14594,7 +14375,7 @@
             <a:tbl>
               <a:tblPr>
                 <a:noFill/>
-                <a:tableStyleId>{58533E67-5357-4500-9B03-42DE4B873CD9}</a:tableStyleId>
+                <a:tableStyleId>{46031992-5705-463D-9E86-D9D518CC5FB7}</a:tableStyleId>
               </a:tblPr>
               <a:tblGrid>
                 <a:gridCol w="952975"/>
@@ -15040,225 +14821,6 @@
                       <a:endParaRPr>
                         <a:solidFill>
                           <a:srgbClr val="FF0000"/>
-                        </a:solidFill>
-                      </a:endParaRPr>
-                    </a:p>
-                  </a:txBody>
-                  <a:tcPr marT="91425" marB="91425" marR="91425" marL="91425"/>
-                </a:tc>
-              </a:tr>
-              <a:tr h="306350">
-                <a:tc>
-                  <a:txBody>
-                    <a:bodyPr/>
-                    <a:lstStyle/>
-                    <a:p>
-                      <a:pPr indent="0" lvl="0" marL="0" rtl="0" algn="l">
-                        <a:spcBef>
-                          <a:spcPts val="0"/>
-                        </a:spcBef>
-                        <a:spcAft>
-                          <a:spcPts val="0"/>
-                        </a:spcAft>
-                        <a:buNone/>
-                      </a:pPr>
-                      <a:r>
-                        <a:rPr lang="en" sz="1300">
-                          <a:solidFill>
-                            <a:schemeClr val="lt1"/>
-                          </a:solidFill>
-                        </a:rPr>
-                        <a:t>Centroid</a:t>
-                      </a:r>
-                      <a:endParaRPr sz="1300">
-                        <a:solidFill>
-                          <a:schemeClr val="lt1"/>
-                        </a:solidFill>
-                      </a:endParaRPr>
-                    </a:p>
-                  </a:txBody>
-                  <a:tcPr marT="91425" marB="91425" marR="91425" marL="91425"/>
-                </a:tc>
-                <a:tc>
-                  <a:txBody>
-                    <a:bodyPr/>
-                    <a:lstStyle/>
-                    <a:p>
-                      <a:pPr indent="0" lvl="0" marL="0" rtl="0" algn="ctr">
-                        <a:spcBef>
-                          <a:spcPts val="0"/>
-                        </a:spcBef>
-                        <a:spcAft>
-                          <a:spcPts val="0"/>
-                        </a:spcAft>
-                        <a:buNone/>
-                      </a:pPr>
-                      <a:r>
-                        <a:rPr lang="en">
-                          <a:solidFill>
-                            <a:schemeClr val="lt1"/>
-                          </a:solidFill>
-                        </a:rPr>
-                        <a:t>-</a:t>
-                      </a:r>
-                      <a:endParaRPr>
-                        <a:solidFill>
-                          <a:schemeClr val="lt1"/>
-                        </a:solidFill>
-                      </a:endParaRPr>
-                    </a:p>
-                  </a:txBody>
-                  <a:tcPr marT="91425" marB="91425" marR="91425" marL="91425"/>
-                </a:tc>
-                <a:tc>
-                  <a:txBody>
-                    <a:bodyPr/>
-                    <a:lstStyle/>
-                    <a:p>
-                      <a:pPr indent="0" lvl="0" marL="0" rtl="0" algn="ctr">
-                        <a:spcBef>
-                          <a:spcPts val="0"/>
-                        </a:spcBef>
-                        <a:spcAft>
-                          <a:spcPts val="0"/>
-                        </a:spcAft>
-                        <a:buNone/>
-                      </a:pPr>
-                      <a:r>
-                        <a:rPr lang="en">
-                          <a:solidFill>
-                            <a:schemeClr val="lt1"/>
-                          </a:solidFill>
-                        </a:rPr>
-                        <a:t>-</a:t>
-                      </a:r>
-                      <a:endParaRPr>
-                        <a:solidFill>
-                          <a:schemeClr val="lt1"/>
-                        </a:solidFill>
-                      </a:endParaRPr>
-                    </a:p>
-                  </a:txBody>
-                  <a:tcPr marT="91425" marB="91425" marR="91425" marL="91425"/>
-                </a:tc>
-                <a:tc>
-                  <a:txBody>
-                    <a:bodyPr/>
-                    <a:lstStyle/>
-                    <a:p>
-                      <a:pPr indent="0" lvl="0" marL="0" rtl="0" algn="ctr">
-                        <a:spcBef>
-                          <a:spcPts val="0"/>
-                        </a:spcBef>
-                        <a:spcAft>
-                          <a:spcPts val="0"/>
-                        </a:spcAft>
-                        <a:buNone/>
-                      </a:pPr>
-                      <a:r>
-                        <a:rPr lang="en">
-                          <a:solidFill>
-                            <a:schemeClr val="lt1"/>
-                          </a:solidFill>
-                        </a:rPr>
-                        <a:t>-</a:t>
-                      </a:r>
-                      <a:endParaRPr>
-                        <a:solidFill>
-                          <a:schemeClr val="lt1"/>
-                        </a:solidFill>
-                      </a:endParaRPr>
-                    </a:p>
-                  </a:txBody>
-                  <a:tcPr marT="91425" marB="91425" marR="91425" marL="91425"/>
-                </a:tc>
-                <a:tc>
-                  <a:txBody>
-                    <a:bodyPr/>
-                    <a:lstStyle/>
-                    <a:p>
-                      <a:pPr indent="0" lvl="0" marL="0" rtl="0" algn="ctr">
-                        <a:spcBef>
-                          <a:spcPts val="0"/>
-                        </a:spcBef>
-                        <a:spcAft>
-                          <a:spcPts val="0"/>
-                        </a:spcAft>
-                        <a:buNone/>
-                      </a:pPr>
-                      <a:r>
-                        <a:rPr lang="en">
-                          <a:solidFill>
-                            <a:schemeClr val="lt1"/>
-                          </a:solidFill>
-                        </a:rPr>
-                        <a:t>-</a:t>
-                      </a:r>
-                      <a:endParaRPr>
-                        <a:solidFill>
-                          <a:schemeClr val="lt1"/>
-                        </a:solidFill>
-                      </a:endParaRPr>
-                    </a:p>
-                  </a:txBody>
-                  <a:tcPr marT="91425" marB="91425" marR="91425" marL="91425"/>
-                </a:tc>
-                <a:tc>
-                  <a:txBody>
-                    <a:bodyPr/>
-                    <a:lstStyle/>
-                    <a:p>
-                      <a:pPr indent="0" lvl="0" marL="0" rtl="0" algn="ctr">
-                        <a:spcBef>
-                          <a:spcPts val="0"/>
-                        </a:spcBef>
-                        <a:spcAft>
-                          <a:spcPts val="0"/>
-                        </a:spcAft>
-                        <a:buNone/>
-                      </a:pPr>
-                      <a:r>
-                        <a:rPr lang="en">
-                          <a:solidFill>
-                            <a:schemeClr val="lt1"/>
-                          </a:solidFill>
-                        </a:rPr>
-                        <a:t>-</a:t>
-                      </a:r>
-                      <a:endParaRPr>
-                        <a:solidFill>
-                          <a:schemeClr val="lt1"/>
-                        </a:solidFill>
-                      </a:endParaRPr>
-                    </a:p>
-                  </a:txBody>
-                  <a:tcPr marT="91425" marB="91425" marR="91425" marL="91425"/>
-                </a:tc>
-                <a:tc>
-                  <a:txBody>
-                    <a:bodyPr/>
-                    <a:lstStyle/>
-                    <a:p>
-                      <a:pPr indent="0" lvl="0" marL="0" rtl="0" algn="ctr">
-                        <a:spcBef>
-                          <a:spcPts val="0"/>
-                        </a:spcBef>
-                        <a:spcAft>
-                          <a:spcPts val="0"/>
-                        </a:spcAft>
-                        <a:buNone/>
-                      </a:pPr>
-                      <a:r>
-                        <a:rPr lang="en">
-                          <a:solidFill>
-                            <a:schemeClr val="lt1"/>
-                          </a:solidFill>
-                        </a:rPr>
-                        <a:t>-</a:t>
-                      </a:r>
-                      <a:endParaRPr>
-                        <a:solidFill>
-                          <a:schemeClr val="lt1"/>
                         </a:solidFill>
                       </a:endParaRPr>
                     </a:p>
@@ -16491,7 +16053,7 @@
             <a:tbl>
               <a:tblPr>
                 <a:noFill/>
-                <a:tableStyleId>{58533E67-5357-4500-9B03-42DE4B873CD9}</a:tableStyleId>
+                <a:tableStyleId>{46031992-5705-463D-9E86-D9D518CC5FB7}</a:tableStyleId>
               </a:tblPr>
               <a:tblGrid>
                 <a:gridCol w="952975"/>
@@ -16937,225 +16499,6 @@
                       <a:endParaRPr>
                         <a:solidFill>
                           <a:srgbClr val="00FF00"/>
-                        </a:solidFill>
-                      </a:endParaRPr>
-                    </a:p>
-                  </a:txBody>
-                  <a:tcPr marT="91425" marB="91425" marR="91425" marL="91425"/>
-                </a:tc>
-              </a:tr>
-              <a:tr h="306350">
-                <a:tc>
-                  <a:txBody>
-                    <a:bodyPr/>
-                    <a:lstStyle/>
-                    <a:p>
-                      <a:pPr indent="0" lvl="0" marL="0" rtl="0" algn="l">
-                        <a:spcBef>
-                          <a:spcPts val="0"/>
-                        </a:spcBef>
-                        <a:spcAft>
-                          <a:spcPts val="0"/>
-                        </a:spcAft>
-                        <a:buNone/>
-                      </a:pPr>
-                      <a:r>
-                        <a:rPr lang="en" sz="1300">
-                          <a:solidFill>
-                            <a:schemeClr val="lt1"/>
-                          </a:solidFill>
-                        </a:rPr>
-                        <a:t>Centroid</a:t>
-                      </a:r>
-                      <a:endParaRPr sz="1300">
-                        <a:solidFill>
-                          <a:schemeClr val="lt1"/>
-                        </a:solidFill>
-                      </a:endParaRPr>
-                    </a:p>
-                  </a:txBody>
-                  <a:tcPr marT="91425" marB="91425" marR="91425" marL="91425"/>
-                </a:tc>
-                <a:tc>
-                  <a:txBody>
-                    <a:bodyPr/>
-                    <a:lstStyle/>
-                    <a:p>
-                      <a:pPr indent="0" lvl="0" marL="0" rtl="0" algn="ctr">
-                        <a:spcBef>
-                          <a:spcPts val="0"/>
-                        </a:spcBef>
-                        <a:spcAft>
-                          <a:spcPts val="0"/>
-                        </a:spcAft>
-                        <a:buNone/>
-                      </a:pPr>
-                      <a:r>
-                        <a:rPr lang="en">
-                          <a:solidFill>
-                            <a:schemeClr val="lt1"/>
-                          </a:solidFill>
-                        </a:rPr>
-                        <a:t>-</a:t>
-                      </a:r>
-                      <a:endParaRPr>
-                        <a:solidFill>
-                          <a:schemeClr val="lt1"/>
-                        </a:solidFill>
-                      </a:endParaRPr>
-                    </a:p>
-                  </a:txBody>
-                  <a:tcPr marT="91425" marB="91425" marR="91425" marL="91425"/>
-                </a:tc>
-                <a:tc>
-                  <a:txBody>
-                    <a:bodyPr/>
-                    <a:lstStyle/>
-                    <a:p>
-                      <a:pPr indent="0" lvl="0" marL="0" rtl="0" algn="ctr">
-                        <a:spcBef>
-                          <a:spcPts val="0"/>
-                        </a:spcBef>
-                        <a:spcAft>
-                          <a:spcPts val="0"/>
-                        </a:spcAft>
-                        <a:buNone/>
-                      </a:pPr>
-                      <a:r>
-                        <a:rPr lang="en">
-                          <a:solidFill>
-                            <a:schemeClr val="lt1"/>
-                          </a:solidFill>
-                        </a:rPr>
-                        <a:t>-</a:t>
-                      </a:r>
-                      <a:endParaRPr>
-                        <a:solidFill>
-                          <a:schemeClr val="lt1"/>
-                        </a:solidFill>
-                      </a:endParaRPr>
-                    </a:p>
-                  </a:txBody>
-                  <a:tcPr marT="91425" marB="91425" marR="91425" marL="91425"/>
-                </a:tc>
-                <a:tc>
-                  <a:txBody>
-                    <a:bodyPr/>
-                    <a:lstStyle/>
-                    <a:p>
-                      <a:pPr indent="0" lvl="0" marL="0" rtl="0" algn="ctr">
-                        <a:spcBef>
-                          <a:spcPts val="0"/>
-                        </a:spcBef>
-                        <a:spcAft>
-                          <a:spcPts val="0"/>
-                        </a:spcAft>
-                        <a:buNone/>
-                      </a:pPr>
-                      <a:r>
-                        <a:rPr lang="en">
-                          <a:solidFill>
-                            <a:schemeClr val="lt1"/>
-                          </a:solidFill>
-                        </a:rPr>
-                        <a:t>-</a:t>
-                      </a:r>
-                      <a:endParaRPr>
-                        <a:solidFill>
-                          <a:schemeClr val="lt1"/>
-                        </a:solidFill>
-                      </a:endParaRPr>
-                    </a:p>
-                  </a:txBody>
-                  <a:tcPr marT="91425" marB="91425" marR="91425" marL="91425"/>
-                </a:tc>
-                <a:tc>
-                  <a:txBody>
-                    <a:bodyPr/>
-                    <a:lstStyle/>
-                    <a:p>
-                      <a:pPr indent="0" lvl="0" marL="0" rtl="0" algn="ctr">
-                        <a:spcBef>
-                          <a:spcPts val="0"/>
-                        </a:spcBef>
-                        <a:spcAft>
-                          <a:spcPts val="0"/>
-                        </a:spcAft>
-                        <a:buNone/>
-                      </a:pPr>
-                      <a:r>
-                        <a:rPr lang="en">
-                          <a:solidFill>
-                            <a:schemeClr val="lt1"/>
-                          </a:solidFill>
-                        </a:rPr>
-                        <a:t>-</a:t>
-                      </a:r>
-                      <a:endParaRPr>
-                        <a:solidFill>
-                          <a:schemeClr val="lt1"/>
-                        </a:solidFill>
-                      </a:endParaRPr>
-                    </a:p>
-                  </a:txBody>
-                  <a:tcPr marT="91425" marB="91425" marR="91425" marL="91425"/>
-                </a:tc>
-                <a:tc>
-                  <a:txBody>
-                    <a:bodyPr/>
-                    <a:lstStyle/>
-                    <a:p>
-                      <a:pPr indent="0" lvl="0" marL="0" rtl="0" algn="ctr">
-                        <a:spcBef>
-                          <a:spcPts val="0"/>
-                        </a:spcBef>
-                        <a:spcAft>
-                          <a:spcPts val="0"/>
-                        </a:spcAft>
-                        <a:buNone/>
-                      </a:pPr>
-                      <a:r>
-                        <a:rPr lang="en">
-                          <a:solidFill>
-                            <a:schemeClr val="lt1"/>
-                          </a:solidFill>
-                        </a:rPr>
-                        <a:t>-</a:t>
-                      </a:r>
-                      <a:endParaRPr>
-                        <a:solidFill>
-                          <a:schemeClr val="lt1"/>
-                        </a:solidFill>
-                      </a:endParaRPr>
-                    </a:p>
-                  </a:txBody>
-                  <a:tcPr marT="91425" marB="91425" marR="91425" marL="91425"/>
-                </a:tc>
-                <a:tc>
-                  <a:txBody>
-                    <a:bodyPr/>
-                    <a:lstStyle/>
-                    <a:p>
-                      <a:pPr indent="0" lvl="0" marL="0" rtl="0" algn="ctr">
-                        <a:spcBef>
-                          <a:spcPts val="0"/>
-                        </a:spcBef>
-                        <a:spcAft>
-                          <a:spcPts val="0"/>
-                        </a:spcAft>
-                        <a:buNone/>
-                      </a:pPr>
-                      <a:r>
-                        <a:rPr lang="en">
-                          <a:solidFill>
-                            <a:schemeClr val="lt1"/>
-                          </a:solidFill>
-                        </a:rPr>
-                        <a:t>-</a:t>
-                      </a:r>
-                      <a:endParaRPr>
-                        <a:solidFill>
-                          <a:schemeClr val="lt1"/>
                         </a:solidFill>
                       </a:endParaRPr>
                     </a:p>
@@ -21728,7 +21071,7 @@
             <a:tbl>
               <a:tblPr>
                 <a:noFill/>
-                <a:tableStyleId>{58533E67-5357-4500-9B03-42DE4B873CD9}</a:tableStyleId>
+                <a:tableStyleId>{46031992-5705-463D-9E86-D9D518CC5FB7}</a:tableStyleId>
               </a:tblPr>
               <a:tblGrid>
                 <a:gridCol w="2400425"/>
@@ -22701,8 +22044,8 @@
         </p:nvSpPr>
         <p:spPr>
           <a:xfrm>
-            <a:off x="1297500" y="1021300"/>
-            <a:ext cx="7038900" cy="3471000"/>
+            <a:off x="1297500" y="1175450"/>
+            <a:ext cx="7038900" cy="3316800"/>
           </a:xfrm>
           <a:prstGeom prst="rect">
             <a:avLst/>
@@ -23137,7 +22480,7 @@
           <p:nvPr/>
         </p:nvGraphicFramePr>
         <p:xfrm>
-          <a:off x="1381750" y="1556185"/>
+          <a:off x="1381750" y="1821935"/>
           <a:ext cx="3000000" cy="3000000"/>
         </p:xfrm>
         <a:graphic>
@@ -23145,13 +22488,13 @@
             <a:tbl>
               <a:tblPr>
                 <a:noFill/>
-                <a:tableStyleId>{58533E67-5357-4500-9B03-42DE4B873CD9}</a:tableStyleId>
+                <a:tableStyleId>{46031992-5705-463D-9E86-D9D518CC5FB7}</a:tableStyleId>
               </a:tblPr>
               <a:tblGrid>
                 <a:gridCol w="1395475"/>
                 <a:gridCol w="5180875"/>
               </a:tblGrid>
-              <a:tr h="306350">
+              <a:tr h="472325">
                 <a:tc>
                   <a:txBody>
                     <a:bodyPr/>
@@ -23219,7 +22562,7 @@
                   <a:tcPr marT="91425" marB="91425" marR="91425" marL="91425"/>
                 </a:tc>
               </a:tr>
-              <a:tr h="306350">
+              <a:tr h="472325">
                 <a:tc>
                   <a:txBody>
                     <a:bodyPr/>
@@ -23283,71 +22626,7 @@
                   <a:tcPr marT="91425" marB="91425" marR="91425" marL="91425"/>
                 </a:tc>
               </a:tr>
-              <a:tr h="306350">
-                <a:tc>
-                  <a:txBody>
-                    <a:bodyPr/>
-                    <a:lstStyle/>
-                    <a:p>
-                      <a:pPr indent="0" lvl="0" marL="0" rtl="0" algn="l">
-                        <a:spcBef>
-                          <a:spcPts val="0"/>
-                        </a:spcBef>
-                        <a:spcAft>
-                          <a:spcPts val="0"/>
-                        </a:spcAft>
-                        <a:buNone/>
-                      </a:pPr>
-                      <a:r>
-                        <a:rPr lang="en" sz="1300">
-                          <a:solidFill>
-                            <a:schemeClr val="lt1"/>
-                          </a:solidFill>
-                        </a:rPr>
-                        <a:t>Centroid</a:t>
-                      </a:r>
-                      <a:endParaRPr sz="1300">
-                        <a:solidFill>
-                          <a:schemeClr val="lt1"/>
-                        </a:solidFill>
-                      </a:endParaRPr>
-                    </a:p>
-                  </a:txBody>
-                  <a:tcPr marT="91425" marB="91425" marR="91425" marL="91425"/>
-                </a:tc>
-                <a:tc>
-                  <a:txBody>
-                    <a:bodyPr/>
-                    <a:lstStyle/>
-                    <a:p>
-                      <a:pPr indent="0" lvl="0" marL="0" rtl="0" algn="l">
-                        <a:spcBef>
-                          <a:spcPts val="0"/>
-                        </a:spcBef>
-                        <a:spcAft>
-                          <a:spcPts val="0"/>
-                        </a:spcAft>
-                        <a:buNone/>
-                      </a:pPr>
-                      <a:r>
-                        <a:rPr lang="en" sz="1300">
-                          <a:solidFill>
-                            <a:schemeClr val="lt1"/>
-                          </a:solidFill>
-                        </a:rPr>
-                        <a:t>Distance between the two mean vectors of the clusters</a:t>
-                      </a:r>
-                      <a:endParaRPr sz="1300">
-                        <a:solidFill>
-                          <a:schemeClr val="lt1"/>
-                        </a:solidFill>
-                      </a:endParaRPr>
-                    </a:p>
-                  </a:txBody>
-                  <a:tcPr marT="91425" marB="91425" marR="91425" marL="91425"/>
-                </a:tc>
-              </a:tr>
-              <a:tr h="306350">
+              <a:tr h="472325">
                 <a:tc>
                   <a:txBody>
                     <a:bodyPr/>
@@ -23411,7 +22690,7 @@
                   <a:tcPr marT="91425" marB="91425" marR="91425" marL="91425"/>
                 </a:tc>
               </a:tr>
-              <a:tr h="306350">
+              <a:tr h="472325">
                 <a:tc>
                   <a:txBody>
                     <a:bodyPr/>
@@ -23475,7 +22754,7 @@
                   <a:tcPr marT="91425" marB="91425" marR="91425" marL="91425"/>
                 </a:tc>
               </a:tr>
-              <a:tr h="306350">
+              <a:tr h="472325">
                 <a:tc>
                   <a:txBody>
                     <a:bodyPr/>
@@ -23832,7 +23111,7 @@
             <a:tbl>
               <a:tblPr>
                 <a:noFill/>
-                <a:tableStyleId>{58533E67-5357-4500-9B03-42DE4B873CD9}</a:tableStyleId>
+                <a:tableStyleId>{46031992-5705-463D-9E86-D9D518CC5FB7}</a:tableStyleId>
               </a:tblPr>
               <a:tblGrid>
                 <a:gridCol w="1239100"/>
@@ -24798,7 +24077,7 @@
             <a:tbl>
               <a:tblPr>
                 <a:noFill/>
-                <a:tableStyleId>{58533E67-5357-4500-9B03-42DE4B873CD9}</a:tableStyleId>
+                <a:tableStyleId>{46031992-5705-463D-9E86-D9D518CC5FB7}</a:tableStyleId>
               </a:tblPr>
               <a:tblGrid>
                 <a:gridCol w="2062350"/>

--- a/Liu_Turgeon_FinalProject_Slides.pptx
+++ b/Liu_Turgeon_FinalProject_Slides.pptx
@@ -11264,8 +11264,8 @@
         </p:nvSpPr>
         <p:spPr>
           <a:xfrm>
-            <a:off x="4721650" y="3578750"/>
-            <a:ext cx="3833100" cy="1066800"/>
+            <a:off x="4270225" y="3389525"/>
+            <a:ext cx="4632900" cy="1256100"/>
           </a:xfrm>
           <a:prstGeom prst="rect">
             <a:avLst/>
@@ -11273,7 +11273,7 @@
         </p:spPr>
         <p:txBody>
           <a:bodyPr anchorCtr="0" anchor="t" bIns="91425" lIns="91425" spcFirstLastPara="1" rIns="91425" wrap="square" tIns="91425">
-            <a:normAutofit lnSpcReduction="20000"/>
+            <a:normAutofit fontScale="92500" lnSpcReduction="10000"/>
           </a:bodyPr>
           <a:lstStyle/>
           <a:p>
@@ -11351,6 +11351,31 @@
             </a:pPr>
             <a:r>
               <a:t/>
+            </a:r>
+            <a:endParaRPr/>
+          </a:p>
+          <a:p>
+            <a:pPr indent="0" lvl="0" marL="0" rtl="0" algn="l">
+              <a:spcBef>
+                <a:spcPts val="0"/>
+              </a:spcBef>
+              <a:spcAft>
+                <a:spcPts val="0"/>
+              </a:spcAft>
+              <a:buNone/>
+            </a:pPr>
+            <a:r>
+              <a:rPr lang="en"/>
+              <a:t>GitHub Repository: </a:t>
+            </a:r>
+            <a:r>
+              <a:rPr lang="en" u="sng">
+                <a:solidFill>
+                  <a:schemeClr val="hlink"/>
+                </a:solidFill>
+                <a:hlinkClick r:id="rId3"/>
+              </a:rPr>
+              <a:t>https://github.com/PdAlbedo/AI_Final_Project</a:t>
             </a:r>
             <a:endParaRPr/>
           </a:p>
@@ -12697,7 +12722,7 @@
             <a:tbl>
               <a:tblPr>
                 <a:noFill/>
-                <a:tableStyleId>{46031992-5705-463D-9E86-D9D518CC5FB7}</a:tableStyleId>
+                <a:tableStyleId>{2668E252-FA24-48BE-B094-1FD21AFE0F8D}</a:tableStyleId>
               </a:tblPr>
               <a:tblGrid>
                 <a:gridCol w="952975"/>
@@ -14375,7 +14400,7 @@
             <a:tbl>
               <a:tblPr>
                 <a:noFill/>
-                <a:tableStyleId>{46031992-5705-463D-9E86-D9D518CC5FB7}</a:tableStyleId>
+                <a:tableStyleId>{2668E252-FA24-48BE-B094-1FD21AFE0F8D}</a:tableStyleId>
               </a:tblPr>
               <a:tblGrid>
                 <a:gridCol w="952975"/>
@@ -16053,7 +16078,7 @@
             <a:tbl>
               <a:tblPr>
                 <a:noFill/>
-                <a:tableStyleId>{46031992-5705-463D-9E86-D9D518CC5FB7}</a:tableStyleId>
+                <a:tableStyleId>{2668E252-FA24-48BE-B094-1FD21AFE0F8D}</a:tableStyleId>
               </a:tblPr>
               <a:tblGrid>
                 <a:gridCol w="952975"/>
@@ -21071,7 +21096,7 @@
             <a:tbl>
               <a:tblPr>
                 <a:noFill/>
-                <a:tableStyleId>{46031992-5705-463D-9E86-D9D518CC5FB7}</a:tableStyleId>
+                <a:tableStyleId>{2668E252-FA24-48BE-B094-1FD21AFE0F8D}</a:tableStyleId>
               </a:tblPr>
               <a:tblGrid>
                 <a:gridCol w="2400425"/>
@@ -22488,7 +22513,7 @@
             <a:tbl>
               <a:tblPr>
                 <a:noFill/>
-                <a:tableStyleId>{46031992-5705-463D-9E86-D9D518CC5FB7}</a:tableStyleId>
+                <a:tableStyleId>{2668E252-FA24-48BE-B094-1FD21AFE0F8D}</a:tableStyleId>
               </a:tblPr>
               <a:tblGrid>
                 <a:gridCol w="1395475"/>
@@ -23111,7 +23136,7 @@
             <a:tbl>
               <a:tblPr>
                 <a:noFill/>
-                <a:tableStyleId>{46031992-5705-463D-9E86-D9D518CC5FB7}</a:tableStyleId>
+                <a:tableStyleId>{2668E252-FA24-48BE-B094-1FD21AFE0F8D}</a:tableStyleId>
               </a:tblPr>
               <a:tblGrid>
                 <a:gridCol w="1239100"/>
@@ -24077,7 +24102,7 @@
             <a:tbl>
               <a:tblPr>
                 <a:noFill/>
-                <a:tableStyleId>{46031992-5705-463D-9E86-D9D518CC5FB7}</a:tableStyleId>
+                <a:tableStyleId>{2668E252-FA24-48BE-B094-1FD21AFE0F8D}</a:tableStyleId>
               </a:tblPr>
               <a:tblGrid>
                 <a:gridCol w="2062350"/>
